--- a/GCP Machine Learning.pptx
+++ b/GCP Machine Learning.pptx
@@ -11156,6 +11156,15 @@
               <a:defRPr/>
             </a:pPr>
             <a:r>
+              <a:rPr lang="en-US" dirty="0">
+                <a:solidFill>
+                  <a:prstClr val="black"/>
+                </a:solidFill>
+                <a:latin typeface="Calibri" panose="020F0502020204030204"/>
+              </a:rPr>
+              <a:t>Send request </a:t>
+            </a:r>
+            <a:r>
               <a:rPr kumimoji="0" lang="en-US" sz="1800" b="0" i="0" u="none" strike="noStrike" kern="1200" cap="none" spc="0" normalizeH="0" baseline="0" noProof="0" dirty="0">
                 <a:ln>
                   <a:noFill/>
@@ -11170,7 +11179,7 @@
                 <a:ea typeface="+mn-ea"/>
                 <a:cs typeface="+mn-cs"/>
               </a:rPr>
-              <a:t>Access model for prediction</a:t>
+              <a:t>for prediction</a:t>
             </a:r>
           </a:p>
         </p:txBody>
@@ -13734,7 +13743,7 @@
                 <a:ea typeface="+mj-ea"/>
                 <a:cs typeface="+mj-cs"/>
               </a:rPr>
-              <a:t>AI build blocks: Sight, Language, Conversation and </a:t>
+              <a:t>AI build blocks: Sight, Language, Conversation </a:t>
             </a:r>
             <a:r>
               <a:rPr lang="en-US" sz="4400" kern="1200" dirty="0" err="1">
@@ -13868,15 +13877,15 @@
           <a:lstStyle/>
           <a:p>
             <a:r>
-              <a:rPr lang="en-US">
+              <a:rPr lang="en-US" dirty="0">
                 <a:hlinkClick r:id="rId2"/>
               </a:rPr>
               <a:t>https://cloud.google.com/products/ai/</a:t>
             </a:r>
-            <a:endParaRPr lang="en-US"/>
-          </a:p>
-          <a:p>
-            <a:endParaRPr lang="en-US"/>
+            <a:endParaRPr lang="en-US" dirty="0"/>
+          </a:p>
+          <a:p>
+            <a:endParaRPr lang="en-US" dirty="0"/>
           </a:p>
         </p:txBody>
       </p:sp>

--- a/GCP Machine Learning.pptx
+++ b/GCP Machine Learning.pptx
@@ -13885,6 +13885,12 @@
             <a:endParaRPr lang="en-US" dirty="0"/>
           </a:p>
           <a:p>
+            <a:r>
+              <a:rPr lang="en-US" dirty="0"/>
+              <a:t>https://github.com/hhjjnn/GCP_template.git</a:t>
+            </a:r>
+          </a:p>
+          <a:p>
             <a:endParaRPr lang="en-US" dirty="0"/>
           </a:p>
         </p:txBody>
